--- a/documentation/Timetableinator.pptx
+++ b/documentation/Timetableinator.pptx
@@ -215,7 +215,7 @@
           <a:p>
             <a:fld id="{230CAA77-3AA6-4C57-96F9-701486662044}" type="datetimeFigureOut">
               <a:rPr lang="en-IN" smtClean="0"/>
-              <a:t>04-08-2022</a:t>
+              <a:t>23-09-2022</a:t>
             </a:fld>
             <a:endParaRPr lang="en-IN"/>
           </a:p>
@@ -630,7 +630,7 @@
               <a:pPr>
                 <a:defRPr/>
               </a:pPr>
-              <a:t>8/4/2022</a:t>
+              <a:t>9/23/2022</a:t>
             </a:fld>
             <a:endParaRPr lang="en-US"/>
           </a:p>
@@ -849,7 +849,7 @@
               <a:pPr>
                 <a:defRPr/>
               </a:pPr>
-              <a:t>8/4/2022</a:t>
+              <a:t>9/23/2022</a:t>
             </a:fld>
             <a:endParaRPr lang="en-US"/>
           </a:p>
@@ -1078,7 +1078,7 @@
               <a:pPr>
                 <a:defRPr/>
               </a:pPr>
-              <a:t>8/4/2022</a:t>
+              <a:t>9/23/2022</a:t>
             </a:fld>
             <a:endParaRPr lang="en-US"/>
           </a:p>
@@ -1242,7 +1242,7 @@
               <a:pPr>
                 <a:defRPr/>
               </a:pPr>
-              <a:t>8/4/2022</a:t>
+              <a:t>9/23/2022</a:t>
             </a:fld>
             <a:endParaRPr lang="en-US" altLang="en-US"/>
           </a:p>
@@ -1670,7 +1670,7 @@
               <a:pPr>
                 <a:defRPr/>
               </a:pPr>
-              <a:t>8/4/2022</a:t>
+              <a:t>9/23/2022</a:t>
             </a:fld>
             <a:endParaRPr lang="en-US"/>
           </a:p>
@@ -1977,7 +1977,7 @@
               <a:pPr>
                 <a:defRPr/>
               </a:pPr>
-              <a:t>8/4/2022</a:t>
+              <a:t>9/23/2022</a:t>
             </a:fld>
             <a:endParaRPr lang="en-US"/>
           </a:p>
@@ -2392,7 +2392,7 @@
               <a:pPr>
                 <a:defRPr/>
               </a:pPr>
-              <a:t>8/4/2022</a:t>
+              <a:t>9/23/2022</a:t>
             </a:fld>
             <a:endParaRPr lang="en-US"/>
           </a:p>
@@ -2560,7 +2560,7 @@
               <a:pPr>
                 <a:defRPr/>
               </a:pPr>
-              <a:t>8/4/2022</a:t>
+              <a:t>9/23/2022</a:t>
             </a:fld>
             <a:endParaRPr lang="en-US"/>
           </a:p>
@@ -3078,7 +3078,7 @@
               <a:pPr>
                 <a:defRPr/>
               </a:pPr>
-              <a:t>8/4/2022</a:t>
+              <a:t>9/23/2022</a:t>
             </a:fld>
             <a:endParaRPr lang="en-US"/>
           </a:p>
@@ -4848,7 +4848,7 @@
                 <a:latin typeface="Trebuchet MS" panose="020B0603020202020204" pitchFamily="34" charset="0"/>
                 <a:cs typeface="Times New Roman" pitchFamily="18" charset="0"/>
               </a:rPr>
-              <a:t>Phase 1: Presentation </a:t>
+              <a:t>Phase 4: Presentation </a:t>
             </a:r>
           </a:p>
           <a:p>
